--- a/008_リスクマネジメント/リスクマネジメント.pptx
+++ b/008_リスクマネジメント/リスクマネジメント.pptx
@@ -5,14 +5,15 @@
     <p:sldMasterId id="2147483648" r:id="rId1"/>
   </p:sldMasterIdLst>
   <p:notesMasterIdLst>
-    <p:notesMasterId r:id="rId7"/>
+    <p:notesMasterId r:id="rId8"/>
   </p:notesMasterIdLst>
   <p:sldIdLst>
     <p:sldId id="256" r:id="rId2"/>
     <p:sldId id="257" r:id="rId3"/>
     <p:sldId id="258" r:id="rId4"/>
     <p:sldId id="259" r:id="rId5"/>
-    <p:sldId id="260" r:id="rId6"/>
+    <p:sldId id="262" r:id="rId6"/>
+    <p:sldId id="261" r:id="rId7"/>
   </p:sldIdLst>
   <p:sldSz cx="12192000" cy="6858000"/>
   <p:notesSz cx="6858000" cy="9144000"/>
@@ -128,10 +129,14 @@
         <p14:section name="PMBOKプロセス" id="{7D32B29B-1F03-504D-AA5A-D35026522849}">
           <p14:sldIdLst>
             <p14:sldId id="259"/>
-            <p14:sldId id="260"/>
+            <p14:sldId id="262"/>
+            <p14:sldId id="261"/>
           </p14:sldIdLst>
         </p14:section>
       </p14:sectionLst>
+    </p:ext>
+    <p:ext uri="{EFAFB233-063F-42B5-8137-9DF3F51BA10A}">
+      <p15:sldGuideLst xmlns:p15="http://schemas.microsoft.com/office/powerpoint/2012/main"/>
     </p:ext>
   </p:extLst>
 </p:presentation>
@@ -219,7 +224,7 @@
           <a:p>
             <a:fld id="{E2EDD6C6-A3DA-EE45-B831-A987FA5483D0}" type="datetimeFigureOut">
               <a:rPr kumimoji="1" lang="ja-JP" altLang="en-US" smtClean="0"/>
-              <a:t>2024/1/13</a:t>
+              <a:t>2024/1/20</a:t>
             </a:fld>
             <a:endParaRPr kumimoji="1" lang="ja-JP" altLang="en-US"/>
           </a:p>
@@ -749,7 +754,7 @@
           <a:p>
             <a:fld id="{06B76995-CA33-554A-89BA-DD6C5ECA68BD}" type="datetimeFigureOut">
               <a:rPr kumimoji="1" lang="ja-JP" altLang="en-US" smtClean="0"/>
-              <a:t>2024/1/13</a:t>
+              <a:t>2024/1/20</a:t>
             </a:fld>
             <a:endParaRPr kumimoji="1" lang="ja-JP" altLang="en-US"/>
           </a:p>
@@ -979,7 +984,7 @@
           <a:p>
             <a:fld id="{06B76995-CA33-554A-89BA-DD6C5ECA68BD}" type="datetimeFigureOut">
               <a:rPr kumimoji="1" lang="ja-JP" altLang="en-US" smtClean="0"/>
-              <a:t>2024/1/13</a:t>
+              <a:t>2024/1/20</a:t>
             </a:fld>
             <a:endParaRPr kumimoji="1" lang="ja-JP" altLang="en-US"/>
           </a:p>
@@ -1219,7 +1224,7 @@
           <a:p>
             <a:fld id="{06B76995-CA33-554A-89BA-DD6C5ECA68BD}" type="datetimeFigureOut">
               <a:rPr kumimoji="1" lang="ja-JP" altLang="en-US" smtClean="0"/>
-              <a:t>2024/1/13</a:t>
+              <a:t>2024/1/20</a:t>
             </a:fld>
             <a:endParaRPr kumimoji="1" lang="ja-JP" altLang="en-US"/>
           </a:p>
@@ -1449,7 +1454,7 @@
           <a:p>
             <a:fld id="{06B76995-CA33-554A-89BA-DD6C5ECA68BD}" type="datetimeFigureOut">
               <a:rPr kumimoji="1" lang="ja-JP" altLang="en-US" smtClean="0"/>
-              <a:t>2024/1/13</a:t>
+              <a:t>2024/1/20</a:t>
             </a:fld>
             <a:endParaRPr kumimoji="1" lang="ja-JP" altLang="en-US"/>
           </a:p>
@@ -1724,7 +1729,7 @@
           <a:p>
             <a:fld id="{06B76995-CA33-554A-89BA-DD6C5ECA68BD}" type="datetimeFigureOut">
               <a:rPr kumimoji="1" lang="ja-JP" altLang="en-US" smtClean="0"/>
-              <a:t>2024/1/13</a:t>
+              <a:t>2024/1/20</a:t>
             </a:fld>
             <a:endParaRPr kumimoji="1" lang="ja-JP" altLang="en-US"/>
           </a:p>
@@ -2053,7 +2058,7 @@
           <a:p>
             <a:fld id="{06B76995-CA33-554A-89BA-DD6C5ECA68BD}" type="datetimeFigureOut">
               <a:rPr kumimoji="1" lang="ja-JP" altLang="en-US" smtClean="0"/>
-              <a:t>2024/1/13</a:t>
+              <a:t>2024/1/20</a:t>
             </a:fld>
             <a:endParaRPr kumimoji="1" lang="ja-JP" altLang="en-US"/>
           </a:p>
@@ -2529,7 +2534,7 @@
           <a:p>
             <a:fld id="{06B76995-CA33-554A-89BA-DD6C5ECA68BD}" type="datetimeFigureOut">
               <a:rPr kumimoji="1" lang="ja-JP" altLang="en-US" smtClean="0"/>
-              <a:t>2024/1/13</a:t>
+              <a:t>2024/1/20</a:t>
             </a:fld>
             <a:endParaRPr kumimoji="1" lang="ja-JP" altLang="en-US"/>
           </a:p>
@@ -2670,7 +2675,7 @@
           <a:p>
             <a:fld id="{06B76995-CA33-554A-89BA-DD6C5ECA68BD}" type="datetimeFigureOut">
               <a:rPr kumimoji="1" lang="ja-JP" altLang="en-US" smtClean="0"/>
-              <a:t>2024/1/13</a:t>
+              <a:t>2024/1/20</a:t>
             </a:fld>
             <a:endParaRPr kumimoji="1" lang="ja-JP" altLang="en-US"/>
           </a:p>
@@ -2783,7 +2788,7 @@
           <a:p>
             <a:fld id="{06B76995-CA33-554A-89BA-DD6C5ECA68BD}" type="datetimeFigureOut">
               <a:rPr kumimoji="1" lang="ja-JP" altLang="en-US" smtClean="0"/>
-              <a:t>2024/1/13</a:t>
+              <a:t>2024/1/20</a:t>
             </a:fld>
             <a:endParaRPr kumimoji="1" lang="ja-JP" altLang="en-US"/>
           </a:p>
@@ -3126,7 +3131,7 @@
           <a:p>
             <a:fld id="{06B76995-CA33-554A-89BA-DD6C5ECA68BD}" type="datetimeFigureOut">
               <a:rPr kumimoji="1" lang="ja-JP" altLang="en-US" smtClean="0"/>
-              <a:t>2024/1/13</a:t>
+              <a:t>2024/1/20</a:t>
             </a:fld>
             <a:endParaRPr kumimoji="1" lang="ja-JP" altLang="en-US"/>
           </a:p>
@@ -3414,7 +3419,7 @@
           <a:p>
             <a:fld id="{06B76995-CA33-554A-89BA-DD6C5ECA68BD}" type="datetimeFigureOut">
               <a:rPr kumimoji="1" lang="ja-JP" altLang="en-US" smtClean="0"/>
-              <a:t>2024/1/13</a:t>
+              <a:t>2024/1/20</a:t>
             </a:fld>
             <a:endParaRPr kumimoji="1" lang="ja-JP" altLang="en-US"/>
           </a:p>
@@ -3687,7 +3692,7 @@
           <a:p>
             <a:fld id="{06B76995-CA33-554A-89BA-DD6C5ECA68BD}" type="datetimeFigureOut">
               <a:rPr kumimoji="1" lang="ja-JP" altLang="en-US" smtClean="0"/>
-              <a:t>2024/1/13</a:t>
+              <a:t>2024/1/20</a:t>
             </a:fld>
             <a:endParaRPr kumimoji="1" lang="ja-JP" altLang="en-US"/>
           </a:p>
@@ -4127,7 +4132,7 @@
           <a:p>
             <a:r>
               <a:rPr kumimoji="1" lang="ja-JP" altLang="en-US"/>
-              <a:t>リスクマネジメント</a:t>
+              <a:t>リスクマネジメントの基礎</a:t>
             </a:r>
           </a:p>
         </p:txBody>
@@ -4364,8 +4369,12 @@
           <a:lstStyle/>
           <a:p>
             <a:r>
-              <a:rPr kumimoji="1" lang="ja-JP" altLang="en-US"/>
-              <a:t>基礎知識</a:t>
+              <a:rPr lang="ja-JP" altLang="en-US"/>
+              <a:t>前提</a:t>
+            </a:r>
+            <a:r>
+              <a:rPr kumimoji="1" lang="ja-JP" altLang="en-US"/>
+              <a:t>知識</a:t>
             </a:r>
           </a:p>
         </p:txBody>
@@ -5139,7 +5148,7 @@
           <p:cNvPr id="2" name="タイトル 1">
             <a:extLst>
               <a:ext uri="{FF2B5EF4-FFF2-40B4-BE49-F238E27FC236}">
-                <a16:creationId xmlns:a16="http://schemas.microsoft.com/office/drawing/2014/main" id="{2021EFAD-5EFB-E331-1C6A-66DA956212D4}"/>
+                <a16:creationId xmlns:a16="http://schemas.microsoft.com/office/drawing/2014/main" id="{413688FD-DE23-AFED-FDA8-8B30CD7BC882}"/>
               </a:ext>
             </a:extLst>
           </p:cNvPr>
@@ -5155,7 +5164,10 @@
           <a:bodyPr/>
           <a:lstStyle/>
           <a:p>
-            <a:endParaRPr kumimoji="1" lang="ja-JP" altLang="en-US"/>
+            <a:r>
+              <a:rPr kumimoji="1" lang="ja-JP" altLang="en-US"/>
+              <a:t>リスクの特定</a:t>
+            </a:r>
           </a:p>
         </p:txBody>
       </p:sp>
@@ -5164,7 +5176,7 @@
           <p:cNvPr id="3" name="コンテンツ プレースホルダー 2">
             <a:extLst>
               <a:ext uri="{FF2B5EF4-FFF2-40B4-BE49-F238E27FC236}">
-                <a16:creationId xmlns:a16="http://schemas.microsoft.com/office/drawing/2014/main" id="{4F1F8024-20ED-99A4-A9EF-770B5730F131}"/>
+                <a16:creationId xmlns:a16="http://schemas.microsoft.com/office/drawing/2014/main" id="{B447A975-0ABD-F051-4260-0D9D91974CBD}"/>
               </a:ext>
             </a:extLst>
           </p:cNvPr>
@@ -5180,6 +5192,33 @@
           <a:bodyPr/>
           <a:lstStyle/>
           <a:p>
+            <a:r>
+              <a:rPr kumimoji="1" lang="ja-JP" altLang="en-US"/>
+              <a:t>ブレーンストーミング</a:t>
+            </a:r>
+            <a:endParaRPr kumimoji="1" lang="en-US" altLang="ja-JP" dirty="0"/>
+          </a:p>
+          <a:p>
+            <a:r>
+              <a:rPr lang="ja-JP" altLang="en-US"/>
+              <a:t>プロンプト・リスト、</a:t>
+            </a:r>
+            <a:r>
+              <a:rPr lang="en-US" altLang="ja-JP" dirty="0"/>
+              <a:t>RBS</a:t>
+            </a:r>
+            <a:r>
+              <a:rPr lang="ja-JP" altLang="en-US"/>
+              <a:t>（</a:t>
+            </a:r>
+            <a:r>
+              <a:rPr lang="en-US" altLang="ja-JP" dirty="0"/>
+              <a:t>Risk Breakdown Structure</a:t>
+            </a:r>
+            <a:r>
+              <a:rPr lang="ja-JP" altLang="en-US"/>
+              <a:t>）</a:t>
+            </a:r>
             <a:endParaRPr kumimoji="1" lang="ja-JP" altLang="en-US"/>
           </a:p>
         </p:txBody>
@@ -5187,7 +5226,1666 @@
     </p:spTree>
     <p:extLst>
       <p:ext uri="{BB962C8B-B14F-4D97-AF65-F5344CB8AC3E}">
-        <p14:creationId xmlns:p14="http://schemas.microsoft.com/office/powerpoint/2010/main" val="2928555944"/>
+        <p14:creationId xmlns:p14="http://schemas.microsoft.com/office/powerpoint/2010/main" val="3737188287"/>
+      </p:ext>
+    </p:extLst>
+  </p:cSld>
+  <p:clrMapOvr>
+    <a:masterClrMapping/>
+  </p:clrMapOvr>
+</p:sld>
+</file>
+
+<file path=ppt/slides/slide6.xml><?xml version="1.0" encoding="utf-8"?>
+<p:sld xmlns:a="http://schemas.openxmlformats.org/drawingml/2006/main" xmlns:r="http://schemas.openxmlformats.org/officeDocument/2006/relationships" xmlns:p="http://schemas.openxmlformats.org/presentationml/2006/main">
+  <p:cSld>
+    <p:spTree>
+      <p:nvGrpSpPr>
+        <p:cNvPr id="1" name=""/>
+        <p:cNvGrpSpPr/>
+        <p:nvPr/>
+      </p:nvGrpSpPr>
+      <p:grpSpPr>
+        <a:xfrm>
+          <a:off x="0" y="0"/>
+          <a:ext cx="0" cy="0"/>
+          <a:chOff x="0" y="0"/>
+          <a:chExt cx="0" cy="0"/>
+        </a:xfrm>
+      </p:grpSpPr>
+      <p:sp>
+        <p:nvSpPr>
+          <p:cNvPr id="2" name="タイトル 1">
+            <a:extLst>
+              <a:ext uri="{FF2B5EF4-FFF2-40B4-BE49-F238E27FC236}">
+                <a16:creationId xmlns:a16="http://schemas.microsoft.com/office/drawing/2014/main" id="{9D852480-1367-6177-8664-FC63BA3FEF3D}"/>
+              </a:ext>
+            </a:extLst>
+          </p:cNvPr>
+          <p:cNvSpPr>
+            <a:spLocks noGrp="1"/>
+          </p:cNvSpPr>
+          <p:nvPr>
+            <p:ph type="title"/>
+          </p:nvPr>
+        </p:nvSpPr>
+        <p:spPr/>
+        <p:txBody>
+          <a:bodyPr/>
+          <a:lstStyle/>
+          <a:p>
+            <a:r>
+              <a:rPr kumimoji="1" lang="ja-JP" altLang="en-US"/>
+              <a:t>リスクの定性的分析</a:t>
+            </a:r>
+          </a:p>
+        </p:txBody>
+      </p:sp>
+      <p:sp>
+        <p:nvSpPr>
+          <p:cNvPr id="3" name="コンテンツ プレースホルダー 2">
+            <a:extLst>
+              <a:ext uri="{FF2B5EF4-FFF2-40B4-BE49-F238E27FC236}">
+                <a16:creationId xmlns:a16="http://schemas.microsoft.com/office/drawing/2014/main" id="{2D218366-5615-A3A1-4A09-F267739506BD}"/>
+              </a:ext>
+            </a:extLst>
+          </p:cNvPr>
+          <p:cNvSpPr>
+            <a:spLocks noGrp="1"/>
+          </p:cNvSpPr>
+          <p:nvPr>
+            <p:ph idx="1"/>
+          </p:nvPr>
+        </p:nvSpPr>
+        <p:spPr>
+          <a:xfrm>
+            <a:off x="838200" y="1825625"/>
+            <a:ext cx="10515600" cy="449489"/>
+          </a:xfrm>
+        </p:spPr>
+        <p:txBody>
+          <a:bodyPr>
+            <a:normAutofit lnSpcReduction="10000"/>
+          </a:bodyPr>
+          <a:lstStyle/>
+          <a:p>
+            <a:r>
+              <a:rPr kumimoji="1" lang="ja-JP" altLang="en-US"/>
+              <a:t>発生確率と影響（時間、コスト、品質）からスケールに分類する</a:t>
+            </a:r>
+          </a:p>
+        </p:txBody>
+      </p:sp>
+      <p:graphicFrame>
+        <p:nvGraphicFramePr>
+          <p:cNvPr id="6" name="表 5">
+            <a:extLst>
+              <a:ext uri="{FF2B5EF4-FFF2-40B4-BE49-F238E27FC236}">
+                <a16:creationId xmlns:a16="http://schemas.microsoft.com/office/drawing/2014/main" id="{D5CBB09A-6E6F-651F-93A3-83B38F2B4822}"/>
+              </a:ext>
+            </a:extLst>
+          </p:cNvPr>
+          <p:cNvGraphicFramePr>
+            <a:graphicFrameLocks noGrp="1"/>
+          </p:cNvGraphicFramePr>
+          <p:nvPr>
+            <p:extLst>
+              <p:ext uri="{D42A27DB-BD31-4B8C-83A1-F6EECF244321}">
+                <p14:modId xmlns:p14="http://schemas.microsoft.com/office/powerpoint/2010/main" val="633186455"/>
+              </p:ext>
+            </p:extLst>
+          </p:nvPr>
+        </p:nvGraphicFramePr>
+        <p:xfrm>
+          <a:off x="1358899" y="2449250"/>
+          <a:ext cx="939003" cy="4087169"/>
+        </p:xfrm>
+        <a:graphic>
+          <a:graphicData uri="http://schemas.openxmlformats.org/drawingml/2006/table">
+            <a:tbl>
+              <a:tblPr>
+                <a:tableStyleId>{5C22544A-7EE6-4342-B048-85BDC9FD1C3A}</a:tableStyleId>
+              </a:tblPr>
+              <a:tblGrid>
+                <a:gridCol w="939003">
+                  <a:extLst>
+                    <a:ext uri="{9D8B030D-6E8A-4147-A177-3AD203B41FA5}">
+                      <a16:colId xmlns:a16="http://schemas.microsoft.com/office/drawing/2014/main" val="1257696128"/>
+                    </a:ext>
+                  </a:extLst>
+                </a:gridCol>
+              </a:tblGrid>
+              <a:tr h="455300">
+                <a:tc>
+                  <a:txBody>
+                    <a:bodyPr/>
+                    <a:lstStyle/>
+                    <a:p>
+                      <a:pPr algn="ctr" fontAlgn="ctr"/>
+                      <a:r>
+                        <a:rPr lang="ja-JP" altLang="en-US" sz="1200" u="none" strike="noStrike">
+                          <a:solidFill>
+                            <a:schemeClr val="bg1"/>
+                          </a:solidFill>
+                          <a:effectLst/>
+                          <a:latin typeface="Meiryo UI" panose="020B0604030504040204" pitchFamily="34" charset="-128"/>
+                          <a:ea typeface="Meiryo UI" panose="020B0604030504040204" pitchFamily="34" charset="-128"/>
+                        </a:rPr>
+                        <a:t>発生確率</a:t>
+                      </a:r>
+                      <a:endParaRPr lang="ja-JP" altLang="en-US" sz="1200" b="0" i="0" u="none" strike="noStrike">
+                        <a:solidFill>
+                          <a:schemeClr val="bg1"/>
+                        </a:solidFill>
+                        <a:effectLst/>
+                        <a:latin typeface="Meiryo UI" panose="020B0604030504040204" pitchFamily="34" charset="-128"/>
+                        <a:ea typeface="Meiryo UI" panose="020B0604030504040204" pitchFamily="34" charset="-128"/>
+                      </a:endParaRPr>
+                    </a:p>
+                  </a:txBody>
+                  <a:tcPr marL="9390" marR="9390" marT="9390" marB="0" anchor="ctr">
+                    <a:solidFill>
+                      <a:schemeClr val="accent1"/>
+                    </a:solidFill>
+                  </a:tcPr>
+                </a:tc>
+                <a:extLst>
+                  <a:ext uri="{0D108BD9-81ED-4DB2-BD59-A6C34878D82A}">
+                    <a16:rowId xmlns:a16="http://schemas.microsoft.com/office/drawing/2014/main" val="3883065105"/>
+                  </a:ext>
+                </a:extLst>
+              </a:tr>
+              <a:tr h="607208">
+                <a:tc>
+                  <a:txBody>
+                    <a:bodyPr/>
+                    <a:lstStyle/>
+                    <a:p>
+                      <a:pPr algn="l" fontAlgn="ctr"/>
+                      <a:r>
+                        <a:rPr lang="ja-JP" altLang="en-US" sz="1100" u="none" strike="noStrike">
+                          <a:effectLst/>
+                          <a:latin typeface="Meiryo UI" panose="020B0604030504040204" pitchFamily="34" charset="-128"/>
+                          <a:ea typeface="Meiryo UI" panose="020B0604030504040204" pitchFamily="34" charset="-128"/>
+                        </a:rPr>
+                        <a:t>＞</a:t>
+                      </a:r>
+                      <a:r>
+                        <a:rPr lang="en-US" altLang="ja-JP" sz="1100" u="none" strike="noStrike" dirty="0">
+                          <a:effectLst/>
+                          <a:latin typeface="Meiryo UI" panose="020B0604030504040204" pitchFamily="34" charset="-128"/>
+                          <a:ea typeface="Meiryo UI" panose="020B0604030504040204" pitchFamily="34" charset="-128"/>
+                        </a:rPr>
+                        <a:t>70</a:t>
+                      </a:r>
+                      <a:r>
+                        <a:rPr lang="ja-JP" altLang="en-US" sz="1100" u="none" strike="noStrike">
+                          <a:effectLst/>
+                          <a:latin typeface="Meiryo UI" panose="020B0604030504040204" pitchFamily="34" charset="-128"/>
+                          <a:ea typeface="Meiryo UI" panose="020B0604030504040204" pitchFamily="34" charset="-128"/>
+                        </a:rPr>
+                        <a:t>％</a:t>
+                      </a:r>
+                      <a:endParaRPr lang="ja-JP" altLang="en-US" sz="1100" b="0" i="0" u="none" strike="noStrike">
+                        <a:solidFill>
+                          <a:srgbClr val="000000"/>
+                        </a:solidFill>
+                        <a:effectLst/>
+                        <a:latin typeface="Meiryo UI" panose="020B0604030504040204" pitchFamily="34" charset="-128"/>
+                        <a:ea typeface="Meiryo UI" panose="020B0604030504040204" pitchFamily="34" charset="-128"/>
+                      </a:endParaRPr>
+                    </a:p>
+                  </a:txBody>
+                  <a:tcPr marL="9390" marR="9390" marT="9390" marB="0" anchor="ctr"/>
+                </a:tc>
+                <a:extLst>
+                  <a:ext uri="{0D108BD9-81ED-4DB2-BD59-A6C34878D82A}">
+                    <a16:rowId xmlns:a16="http://schemas.microsoft.com/office/drawing/2014/main" val="811007612"/>
+                  </a:ext>
+                </a:extLst>
+              </a:tr>
+              <a:tr h="602527">
+                <a:tc>
+                  <a:txBody>
+                    <a:bodyPr/>
+                    <a:lstStyle/>
+                    <a:p>
+                      <a:pPr algn="l" fontAlgn="ctr"/>
+                      <a:r>
+                        <a:rPr lang="en-US" altLang="ja-JP" sz="1100" u="none" strike="noStrike" dirty="0">
+                          <a:effectLst/>
+                          <a:latin typeface="Meiryo UI" panose="020B0604030504040204" pitchFamily="34" charset="-128"/>
+                          <a:ea typeface="Meiryo UI" panose="020B0604030504040204" pitchFamily="34" charset="-128"/>
+                        </a:rPr>
+                        <a:t>51〜70</a:t>
+                      </a:r>
+                      <a:r>
+                        <a:rPr lang="ja-JP" altLang="en-US" sz="1100" u="none" strike="noStrike">
+                          <a:effectLst/>
+                          <a:latin typeface="Meiryo UI" panose="020B0604030504040204" pitchFamily="34" charset="-128"/>
+                          <a:ea typeface="Meiryo UI" panose="020B0604030504040204" pitchFamily="34" charset="-128"/>
+                        </a:rPr>
+                        <a:t>％</a:t>
+                      </a:r>
+                      <a:endParaRPr lang="ja-JP" altLang="en-US" sz="1100" b="0" i="0" u="none" strike="noStrike">
+                        <a:solidFill>
+                          <a:srgbClr val="000000"/>
+                        </a:solidFill>
+                        <a:effectLst/>
+                        <a:latin typeface="Meiryo UI" panose="020B0604030504040204" pitchFamily="34" charset="-128"/>
+                        <a:ea typeface="Meiryo UI" panose="020B0604030504040204" pitchFamily="34" charset="-128"/>
+                      </a:endParaRPr>
+                    </a:p>
+                  </a:txBody>
+                  <a:tcPr marL="9390" marR="9390" marT="9390" marB="0" anchor="ctr"/>
+                </a:tc>
+                <a:extLst>
+                  <a:ext uri="{0D108BD9-81ED-4DB2-BD59-A6C34878D82A}">
+                    <a16:rowId xmlns:a16="http://schemas.microsoft.com/office/drawing/2014/main" val="876147493"/>
+                  </a:ext>
+                </a:extLst>
+              </a:tr>
+              <a:tr h="616443">
+                <a:tc>
+                  <a:txBody>
+                    <a:bodyPr/>
+                    <a:lstStyle/>
+                    <a:p>
+                      <a:pPr algn="l" fontAlgn="ctr"/>
+                      <a:r>
+                        <a:rPr lang="en-US" altLang="ja-JP" sz="1100" u="none" strike="noStrike" dirty="0">
+                          <a:effectLst/>
+                          <a:latin typeface="Meiryo UI" panose="020B0604030504040204" pitchFamily="34" charset="-128"/>
+                          <a:ea typeface="Meiryo UI" panose="020B0604030504040204" pitchFamily="34" charset="-128"/>
+                        </a:rPr>
+                        <a:t>31〜50</a:t>
+                      </a:r>
+                      <a:r>
+                        <a:rPr lang="ja-JP" altLang="en-US" sz="1100" u="none" strike="noStrike">
+                          <a:effectLst/>
+                          <a:latin typeface="Meiryo UI" panose="020B0604030504040204" pitchFamily="34" charset="-128"/>
+                          <a:ea typeface="Meiryo UI" panose="020B0604030504040204" pitchFamily="34" charset="-128"/>
+                        </a:rPr>
+                        <a:t>％</a:t>
+                      </a:r>
+                      <a:endParaRPr lang="ja-JP" altLang="en-US" sz="1100" b="0" i="0" u="none" strike="noStrike">
+                        <a:solidFill>
+                          <a:srgbClr val="000000"/>
+                        </a:solidFill>
+                        <a:effectLst/>
+                        <a:latin typeface="Meiryo UI" panose="020B0604030504040204" pitchFamily="34" charset="-128"/>
+                        <a:ea typeface="Meiryo UI" panose="020B0604030504040204" pitchFamily="34" charset="-128"/>
+                      </a:endParaRPr>
+                    </a:p>
+                  </a:txBody>
+                  <a:tcPr marL="9390" marR="9390" marT="9390" marB="0" anchor="ctr"/>
+                </a:tc>
+                <a:extLst>
+                  <a:ext uri="{0D108BD9-81ED-4DB2-BD59-A6C34878D82A}">
+                    <a16:rowId xmlns:a16="http://schemas.microsoft.com/office/drawing/2014/main" val="2931885840"/>
+                  </a:ext>
+                </a:extLst>
+              </a:tr>
+              <a:tr h="617451">
+                <a:tc>
+                  <a:txBody>
+                    <a:bodyPr/>
+                    <a:lstStyle/>
+                    <a:p>
+                      <a:pPr algn="l" fontAlgn="ctr"/>
+                      <a:r>
+                        <a:rPr lang="en-US" altLang="ja-JP" sz="1100" u="none" strike="noStrike" dirty="0">
+                          <a:effectLst/>
+                          <a:latin typeface="Meiryo UI" panose="020B0604030504040204" pitchFamily="34" charset="-128"/>
+                          <a:ea typeface="Meiryo UI" panose="020B0604030504040204" pitchFamily="34" charset="-128"/>
+                        </a:rPr>
+                        <a:t>11〜30%</a:t>
+                      </a:r>
+                      <a:endParaRPr lang="en-US" altLang="ja-JP" sz="1100" b="0" i="0" u="none" strike="noStrike" dirty="0">
+                        <a:solidFill>
+                          <a:srgbClr val="000000"/>
+                        </a:solidFill>
+                        <a:effectLst/>
+                        <a:latin typeface="Meiryo UI" panose="020B0604030504040204" pitchFamily="34" charset="-128"/>
+                        <a:ea typeface="Meiryo UI" panose="020B0604030504040204" pitchFamily="34" charset="-128"/>
+                      </a:endParaRPr>
+                    </a:p>
+                  </a:txBody>
+                  <a:tcPr marL="9390" marR="9390" marT="9390" marB="0" anchor="ctr"/>
+                </a:tc>
+                <a:extLst>
+                  <a:ext uri="{0D108BD9-81ED-4DB2-BD59-A6C34878D82A}">
+                    <a16:rowId xmlns:a16="http://schemas.microsoft.com/office/drawing/2014/main" val="2111309415"/>
+                  </a:ext>
+                </a:extLst>
+              </a:tr>
+              <a:tr h="604363">
+                <a:tc>
+                  <a:txBody>
+                    <a:bodyPr/>
+                    <a:lstStyle/>
+                    <a:p>
+                      <a:pPr algn="l" fontAlgn="ctr"/>
+                      <a:r>
+                        <a:rPr lang="en-US" altLang="ja-JP" sz="1100" u="none" strike="noStrike" dirty="0">
+                          <a:effectLst/>
+                          <a:latin typeface="Meiryo UI" panose="020B0604030504040204" pitchFamily="34" charset="-128"/>
+                          <a:ea typeface="Meiryo UI" panose="020B0604030504040204" pitchFamily="34" charset="-128"/>
+                        </a:rPr>
+                        <a:t>1〜10</a:t>
+                      </a:r>
+                      <a:r>
+                        <a:rPr lang="ja-JP" altLang="en-US" sz="1100" u="none" strike="noStrike">
+                          <a:effectLst/>
+                          <a:latin typeface="Meiryo UI" panose="020B0604030504040204" pitchFamily="34" charset="-128"/>
+                          <a:ea typeface="Meiryo UI" panose="020B0604030504040204" pitchFamily="34" charset="-128"/>
+                        </a:rPr>
+                        <a:t>％</a:t>
+                      </a:r>
+                      <a:endParaRPr lang="ja-JP" altLang="en-US" sz="1100" b="0" i="0" u="none" strike="noStrike">
+                        <a:solidFill>
+                          <a:srgbClr val="000000"/>
+                        </a:solidFill>
+                        <a:effectLst/>
+                        <a:latin typeface="Meiryo UI" panose="020B0604030504040204" pitchFamily="34" charset="-128"/>
+                        <a:ea typeface="Meiryo UI" panose="020B0604030504040204" pitchFamily="34" charset="-128"/>
+                      </a:endParaRPr>
+                    </a:p>
+                  </a:txBody>
+                  <a:tcPr marL="9390" marR="9390" marT="9390" marB="0" anchor="ctr"/>
+                </a:tc>
+                <a:extLst>
+                  <a:ext uri="{0D108BD9-81ED-4DB2-BD59-A6C34878D82A}">
+                    <a16:rowId xmlns:a16="http://schemas.microsoft.com/office/drawing/2014/main" val="3118956168"/>
+                  </a:ext>
+                </a:extLst>
+              </a:tr>
+              <a:tr h="583877">
+                <a:tc>
+                  <a:txBody>
+                    <a:bodyPr/>
+                    <a:lstStyle/>
+                    <a:p>
+                      <a:pPr algn="l" fontAlgn="ctr"/>
+                      <a:r>
+                        <a:rPr lang="ja-JP" altLang="en-US" sz="1100" u="none" strike="noStrike">
+                          <a:effectLst/>
+                          <a:latin typeface="Meiryo UI" panose="020B0604030504040204" pitchFamily="34" charset="-128"/>
+                          <a:ea typeface="Meiryo UI" panose="020B0604030504040204" pitchFamily="34" charset="-128"/>
+                        </a:rPr>
+                        <a:t>＜</a:t>
+                      </a:r>
+                      <a:r>
+                        <a:rPr lang="en-US" altLang="ja-JP" sz="1100" u="none" strike="noStrike" dirty="0">
+                          <a:effectLst/>
+                          <a:latin typeface="Meiryo UI" panose="020B0604030504040204" pitchFamily="34" charset="-128"/>
+                          <a:ea typeface="Meiryo UI" panose="020B0604030504040204" pitchFamily="34" charset="-128"/>
+                        </a:rPr>
+                        <a:t>1</a:t>
+                      </a:r>
+                      <a:r>
+                        <a:rPr lang="ja-JP" altLang="en-US" sz="1100" u="none" strike="noStrike">
+                          <a:effectLst/>
+                          <a:latin typeface="Meiryo UI" panose="020B0604030504040204" pitchFamily="34" charset="-128"/>
+                          <a:ea typeface="Meiryo UI" panose="020B0604030504040204" pitchFamily="34" charset="-128"/>
+                        </a:rPr>
+                        <a:t>％</a:t>
+                      </a:r>
+                      <a:endParaRPr lang="ja-JP" altLang="en-US" sz="1100" b="0" i="0" u="none" strike="noStrike">
+                        <a:solidFill>
+                          <a:srgbClr val="000000"/>
+                        </a:solidFill>
+                        <a:effectLst/>
+                        <a:latin typeface="Meiryo UI" panose="020B0604030504040204" pitchFamily="34" charset="-128"/>
+                        <a:ea typeface="Meiryo UI" panose="020B0604030504040204" pitchFamily="34" charset="-128"/>
+                      </a:endParaRPr>
+                    </a:p>
+                  </a:txBody>
+                  <a:tcPr marL="9390" marR="9390" marT="9390" marB="0" anchor="ctr"/>
+                </a:tc>
+                <a:extLst>
+                  <a:ext uri="{0D108BD9-81ED-4DB2-BD59-A6C34878D82A}">
+                    <a16:rowId xmlns:a16="http://schemas.microsoft.com/office/drawing/2014/main" val="356009060"/>
+                  </a:ext>
+                </a:extLst>
+              </a:tr>
+            </a:tbl>
+          </a:graphicData>
+        </a:graphic>
+      </p:graphicFrame>
+      <p:graphicFrame>
+        <p:nvGraphicFramePr>
+          <p:cNvPr id="7" name="表 6">
+            <a:extLst>
+              <a:ext uri="{FF2B5EF4-FFF2-40B4-BE49-F238E27FC236}">
+                <a16:creationId xmlns:a16="http://schemas.microsoft.com/office/drawing/2014/main" id="{10E66280-FF15-BDFF-DD7C-BAEC85129564}"/>
+              </a:ext>
+            </a:extLst>
+          </p:cNvPr>
+          <p:cNvGraphicFramePr>
+            <a:graphicFrameLocks noGrp="1"/>
+          </p:cNvGraphicFramePr>
+          <p:nvPr>
+            <p:extLst>
+              <p:ext uri="{D42A27DB-BD31-4B8C-83A1-F6EECF244321}">
+                <p14:modId xmlns:p14="http://schemas.microsoft.com/office/powerpoint/2010/main" val="3713406349"/>
+              </p:ext>
+            </p:extLst>
+          </p:nvPr>
+        </p:nvGraphicFramePr>
+        <p:xfrm>
+          <a:off x="3067962" y="2452278"/>
+          <a:ext cx="4445421" cy="4084140"/>
+        </p:xfrm>
+        <a:graphic>
+          <a:graphicData uri="http://schemas.openxmlformats.org/drawingml/2006/table">
+            <a:tbl>
+              <a:tblPr>
+                <a:tableStyleId>{5C22544A-7EE6-4342-B048-85BDC9FD1C3A}</a:tableStyleId>
+              </a:tblPr>
+              <a:tblGrid>
+                <a:gridCol w="1481807">
+                  <a:extLst>
+                    <a:ext uri="{9D8B030D-6E8A-4147-A177-3AD203B41FA5}">
+                      <a16:colId xmlns:a16="http://schemas.microsoft.com/office/drawing/2014/main" val="981818046"/>
+                    </a:ext>
+                  </a:extLst>
+                </a:gridCol>
+                <a:gridCol w="1481807">
+                  <a:extLst>
+                    <a:ext uri="{9D8B030D-6E8A-4147-A177-3AD203B41FA5}">
+                      <a16:colId xmlns:a16="http://schemas.microsoft.com/office/drawing/2014/main" val="2739767815"/>
+                    </a:ext>
+                  </a:extLst>
+                </a:gridCol>
+                <a:gridCol w="1481807">
+                  <a:extLst>
+                    <a:ext uri="{9D8B030D-6E8A-4147-A177-3AD203B41FA5}">
+                      <a16:colId xmlns:a16="http://schemas.microsoft.com/office/drawing/2014/main" val="2134273300"/>
+                    </a:ext>
+                  </a:extLst>
+                </a:gridCol>
+              </a:tblGrid>
+              <a:tr h="220764">
+                <a:tc gridSpan="3">
+                  <a:txBody>
+                    <a:bodyPr/>
+                    <a:lstStyle/>
+                    <a:p>
+                      <a:pPr algn="ctr" fontAlgn="ctr"/>
+                      <a:r>
+                        <a:rPr lang="ja-JP" altLang="en-US" sz="1200" u="none" strike="noStrike">
+                          <a:solidFill>
+                            <a:schemeClr val="bg1"/>
+                          </a:solidFill>
+                          <a:effectLst/>
+                          <a:latin typeface="Meiryo UI" panose="020B0604030504040204" pitchFamily="34" charset="-128"/>
+                          <a:ea typeface="Meiryo UI" panose="020B0604030504040204" pitchFamily="34" charset="-128"/>
+                        </a:rPr>
+                        <a:t>プロジェクトの目標に与える影響</a:t>
+                      </a:r>
+                      <a:endParaRPr lang="ja-JP" altLang="en-US" sz="1200" b="0" i="0" u="none" strike="noStrike">
+                        <a:solidFill>
+                          <a:schemeClr val="bg1"/>
+                        </a:solidFill>
+                        <a:effectLst/>
+                        <a:latin typeface="Meiryo UI" panose="020B0604030504040204" pitchFamily="34" charset="-128"/>
+                        <a:ea typeface="Meiryo UI" panose="020B0604030504040204" pitchFamily="34" charset="-128"/>
+                      </a:endParaRPr>
+                    </a:p>
+                  </a:txBody>
+                  <a:tcPr marL="8820" marR="8820" marT="8820" marB="0" anchor="ctr">
+                    <a:solidFill>
+                      <a:schemeClr val="accent6">
+                        <a:lumMod val="50000"/>
+                      </a:schemeClr>
+                    </a:solidFill>
+                  </a:tcPr>
+                </a:tc>
+                <a:tc hMerge="1">
+                  <a:txBody>
+                    <a:bodyPr/>
+                    <a:lstStyle/>
+                    <a:p>
+                      <a:endParaRPr kumimoji="1" lang="ja-JP" altLang="en-US"/>
+                    </a:p>
+                  </a:txBody>
+                  <a:tcPr/>
+                </a:tc>
+                <a:tc hMerge="1">
+                  <a:txBody>
+                    <a:bodyPr/>
+                    <a:lstStyle/>
+                    <a:p>
+                      <a:endParaRPr kumimoji="1" lang="ja-JP" altLang="en-US"/>
+                    </a:p>
+                  </a:txBody>
+                  <a:tcPr/>
+                </a:tc>
+                <a:extLst>
+                  <a:ext uri="{0D108BD9-81ED-4DB2-BD59-A6C34878D82A}">
+                    <a16:rowId xmlns:a16="http://schemas.microsoft.com/office/drawing/2014/main" val="1448928635"/>
+                  </a:ext>
+                </a:extLst>
+              </a:tr>
+              <a:tr h="220764">
+                <a:tc>
+                  <a:txBody>
+                    <a:bodyPr/>
+                    <a:lstStyle/>
+                    <a:p>
+                      <a:pPr algn="ctr" fontAlgn="ctr"/>
+                      <a:r>
+                        <a:rPr lang="ja-JP" altLang="en-US" sz="1050" u="none" strike="noStrike">
+                          <a:effectLst/>
+                          <a:latin typeface="Meiryo UI" panose="020B0604030504040204" pitchFamily="34" charset="-128"/>
+                          <a:ea typeface="Meiryo UI" panose="020B0604030504040204" pitchFamily="34" charset="-128"/>
+                        </a:rPr>
+                        <a:t>時間</a:t>
+                      </a:r>
+                      <a:endParaRPr lang="ja-JP" altLang="en-US" sz="1050" b="0" i="0" u="none" strike="noStrike">
+                        <a:solidFill>
+                          <a:srgbClr val="000000"/>
+                        </a:solidFill>
+                        <a:effectLst/>
+                        <a:latin typeface="Meiryo UI" panose="020B0604030504040204" pitchFamily="34" charset="-128"/>
+                        <a:ea typeface="Meiryo UI" panose="020B0604030504040204" pitchFamily="34" charset="-128"/>
+                      </a:endParaRPr>
+                    </a:p>
+                  </a:txBody>
+                  <a:tcPr marL="8820" marR="8820" marT="8820" marB="0" anchor="ctr">
+                    <a:solidFill>
+                      <a:schemeClr val="accent6">
+                        <a:lumMod val="20000"/>
+                        <a:lumOff val="80000"/>
+                      </a:schemeClr>
+                    </a:solidFill>
+                  </a:tcPr>
+                </a:tc>
+                <a:tc>
+                  <a:txBody>
+                    <a:bodyPr/>
+                    <a:lstStyle/>
+                    <a:p>
+                      <a:pPr algn="ctr" fontAlgn="ctr"/>
+                      <a:r>
+                        <a:rPr lang="ja-JP" altLang="en-US" sz="1050" u="none" strike="noStrike">
+                          <a:effectLst/>
+                          <a:latin typeface="Meiryo UI" panose="020B0604030504040204" pitchFamily="34" charset="-128"/>
+                          <a:ea typeface="Meiryo UI" panose="020B0604030504040204" pitchFamily="34" charset="-128"/>
+                        </a:rPr>
+                        <a:t>コスト</a:t>
+                      </a:r>
+                      <a:endParaRPr lang="ja-JP" altLang="en-US" sz="1050" b="0" i="0" u="none" strike="noStrike">
+                        <a:solidFill>
+                          <a:srgbClr val="000000"/>
+                        </a:solidFill>
+                        <a:effectLst/>
+                        <a:latin typeface="Meiryo UI" panose="020B0604030504040204" pitchFamily="34" charset="-128"/>
+                        <a:ea typeface="Meiryo UI" panose="020B0604030504040204" pitchFamily="34" charset="-128"/>
+                      </a:endParaRPr>
+                    </a:p>
+                  </a:txBody>
+                  <a:tcPr marL="8820" marR="8820" marT="8820" marB="0" anchor="ctr">
+                    <a:solidFill>
+                      <a:schemeClr val="accent6">
+                        <a:lumMod val="40000"/>
+                        <a:lumOff val="60000"/>
+                      </a:schemeClr>
+                    </a:solidFill>
+                  </a:tcPr>
+                </a:tc>
+                <a:tc>
+                  <a:txBody>
+                    <a:bodyPr/>
+                    <a:lstStyle/>
+                    <a:p>
+                      <a:pPr algn="ctr" fontAlgn="ctr"/>
+                      <a:r>
+                        <a:rPr lang="ja-JP" altLang="en-US" sz="1050" u="none" strike="noStrike">
+                          <a:effectLst/>
+                          <a:latin typeface="Meiryo UI" panose="020B0604030504040204" pitchFamily="34" charset="-128"/>
+                          <a:ea typeface="Meiryo UI" panose="020B0604030504040204" pitchFamily="34" charset="-128"/>
+                        </a:rPr>
+                        <a:t>品質</a:t>
+                      </a:r>
+                      <a:endParaRPr lang="ja-JP" altLang="en-US" sz="1050" b="0" i="0" u="none" strike="noStrike">
+                        <a:solidFill>
+                          <a:srgbClr val="000000"/>
+                        </a:solidFill>
+                        <a:effectLst/>
+                        <a:latin typeface="Meiryo UI" panose="020B0604030504040204" pitchFamily="34" charset="-128"/>
+                        <a:ea typeface="Meiryo UI" panose="020B0604030504040204" pitchFamily="34" charset="-128"/>
+                      </a:endParaRPr>
+                    </a:p>
+                  </a:txBody>
+                  <a:tcPr marL="8820" marR="8820" marT="8820" marB="0" anchor="ctr">
+                    <a:solidFill>
+                      <a:schemeClr val="accent6">
+                        <a:lumMod val="60000"/>
+                        <a:lumOff val="40000"/>
+                      </a:schemeClr>
+                    </a:solidFill>
+                  </a:tcPr>
+                </a:tc>
+                <a:extLst>
+                  <a:ext uri="{0D108BD9-81ED-4DB2-BD59-A6C34878D82A}">
+                    <a16:rowId xmlns:a16="http://schemas.microsoft.com/office/drawing/2014/main" val="1885000063"/>
+                  </a:ext>
+                </a:extLst>
+              </a:tr>
+              <a:tr h="607102">
+                <a:tc>
+                  <a:txBody>
+                    <a:bodyPr/>
+                    <a:lstStyle/>
+                    <a:p>
+                      <a:pPr algn="l" fontAlgn="ctr"/>
+                      <a:r>
+                        <a:rPr lang="ja-JP" altLang="en-US" sz="1050" u="none" strike="noStrike">
+                          <a:effectLst/>
+                          <a:latin typeface="Meiryo UI" panose="020B0604030504040204" pitchFamily="34" charset="-128"/>
+                          <a:ea typeface="Meiryo UI" panose="020B0604030504040204" pitchFamily="34" charset="-128"/>
+                        </a:rPr>
+                        <a:t>＞６ヶ月</a:t>
+                      </a:r>
+                      <a:endParaRPr lang="ja-JP" altLang="en-US" sz="1050" b="0" i="0" u="none" strike="noStrike">
+                        <a:solidFill>
+                          <a:srgbClr val="000000"/>
+                        </a:solidFill>
+                        <a:effectLst/>
+                        <a:latin typeface="Meiryo UI" panose="020B0604030504040204" pitchFamily="34" charset="-128"/>
+                        <a:ea typeface="Meiryo UI" panose="020B0604030504040204" pitchFamily="34" charset="-128"/>
+                      </a:endParaRPr>
+                    </a:p>
+                  </a:txBody>
+                  <a:tcPr marL="8820" marR="8820" marT="8820" marB="0" anchor="ctr"/>
+                </a:tc>
+                <a:tc>
+                  <a:txBody>
+                    <a:bodyPr/>
+                    <a:lstStyle/>
+                    <a:p>
+                      <a:pPr algn="l" fontAlgn="ctr"/>
+                      <a:r>
+                        <a:rPr lang="ja-JP" altLang="en-US" sz="1050" u="none" strike="noStrike">
+                          <a:effectLst/>
+                          <a:latin typeface="Meiryo UI" panose="020B0604030504040204" pitchFamily="34" charset="-128"/>
+                          <a:ea typeface="Meiryo UI" panose="020B0604030504040204" pitchFamily="34" charset="-128"/>
+                        </a:rPr>
+                        <a:t>＞５００万ドル</a:t>
+                      </a:r>
+                      <a:endParaRPr lang="ja-JP" altLang="en-US" sz="1050" b="0" i="0" u="none" strike="noStrike">
+                        <a:solidFill>
+                          <a:srgbClr val="000000"/>
+                        </a:solidFill>
+                        <a:effectLst/>
+                        <a:latin typeface="Meiryo UI" panose="020B0604030504040204" pitchFamily="34" charset="-128"/>
+                        <a:ea typeface="Meiryo UI" panose="020B0604030504040204" pitchFamily="34" charset="-128"/>
+                      </a:endParaRPr>
+                    </a:p>
+                  </a:txBody>
+                  <a:tcPr marL="8820" marR="8820" marT="8820" marB="0" anchor="ctr"/>
+                </a:tc>
+                <a:tc>
+                  <a:txBody>
+                    <a:bodyPr/>
+                    <a:lstStyle/>
+                    <a:p>
+                      <a:pPr algn="l" fontAlgn="ctr"/>
+                      <a:r>
+                        <a:rPr lang="ja-JP" altLang="en-US" sz="1050" u="none" strike="noStrike">
+                          <a:effectLst/>
+                          <a:latin typeface="Meiryo UI" panose="020B0604030504040204" pitchFamily="34" charset="-128"/>
+                          <a:ea typeface="Meiryo UI" panose="020B0604030504040204" pitchFamily="34" charset="-128"/>
+                        </a:rPr>
+                        <a:t>全体的な機能に極めて著しい影響あり</a:t>
+                      </a:r>
+                      <a:endParaRPr lang="ja-JP" altLang="en-US" sz="1050" b="0" i="0" u="none" strike="noStrike">
+                        <a:solidFill>
+                          <a:srgbClr val="000000"/>
+                        </a:solidFill>
+                        <a:effectLst/>
+                        <a:latin typeface="Meiryo UI" panose="020B0604030504040204" pitchFamily="34" charset="-128"/>
+                        <a:ea typeface="Meiryo UI" panose="020B0604030504040204" pitchFamily="34" charset="-128"/>
+                      </a:endParaRPr>
+                    </a:p>
+                  </a:txBody>
+                  <a:tcPr marL="8820" marR="8820" marT="8820" marB="0" anchor="ctr"/>
+                </a:tc>
+                <a:extLst>
+                  <a:ext uri="{0D108BD9-81ED-4DB2-BD59-A6C34878D82A}">
+                    <a16:rowId xmlns:a16="http://schemas.microsoft.com/office/drawing/2014/main" val="3759153317"/>
+                  </a:ext>
+                </a:extLst>
+              </a:tr>
+              <a:tr h="607102">
+                <a:tc>
+                  <a:txBody>
+                    <a:bodyPr/>
+                    <a:lstStyle/>
+                    <a:p>
+                      <a:pPr algn="l" fontAlgn="ctr"/>
+                      <a:r>
+                        <a:rPr lang="ja-JP" altLang="en-US" sz="1050" u="none" strike="noStrike">
+                          <a:effectLst/>
+                          <a:latin typeface="Meiryo UI" panose="020B0604030504040204" pitchFamily="34" charset="-128"/>
+                          <a:ea typeface="Meiryo UI" panose="020B0604030504040204" pitchFamily="34" charset="-128"/>
+                        </a:rPr>
+                        <a:t>３</a:t>
+                      </a:r>
+                      <a:r>
+                        <a:rPr lang="en-US" altLang="ja-JP" sz="1050" u="none" strike="noStrike" dirty="0">
+                          <a:effectLst/>
+                          <a:latin typeface="Meiryo UI" panose="020B0604030504040204" pitchFamily="34" charset="-128"/>
+                          <a:ea typeface="Meiryo UI" panose="020B0604030504040204" pitchFamily="34" charset="-128"/>
+                        </a:rPr>
+                        <a:t>〜</a:t>
+                      </a:r>
+                      <a:r>
+                        <a:rPr lang="ja-JP" altLang="en-US" sz="1050" u="none" strike="noStrike">
+                          <a:effectLst/>
+                          <a:latin typeface="Meiryo UI" panose="020B0604030504040204" pitchFamily="34" charset="-128"/>
+                          <a:ea typeface="Meiryo UI" panose="020B0604030504040204" pitchFamily="34" charset="-128"/>
+                        </a:rPr>
+                        <a:t>６ヶ月</a:t>
+                      </a:r>
+                      <a:endParaRPr lang="ja-JP" altLang="en-US" sz="1050" b="0" i="0" u="none" strike="noStrike">
+                        <a:solidFill>
+                          <a:srgbClr val="000000"/>
+                        </a:solidFill>
+                        <a:effectLst/>
+                        <a:latin typeface="Meiryo UI" panose="020B0604030504040204" pitchFamily="34" charset="-128"/>
+                        <a:ea typeface="Meiryo UI" panose="020B0604030504040204" pitchFamily="34" charset="-128"/>
+                      </a:endParaRPr>
+                    </a:p>
+                  </a:txBody>
+                  <a:tcPr marL="8820" marR="8820" marT="8820" marB="0" anchor="ctr"/>
+                </a:tc>
+                <a:tc>
+                  <a:txBody>
+                    <a:bodyPr/>
+                    <a:lstStyle/>
+                    <a:p>
+                      <a:pPr algn="l" fontAlgn="ctr"/>
+                      <a:r>
+                        <a:rPr lang="ja-JP" altLang="en-US" sz="1050" u="none" strike="noStrike">
+                          <a:effectLst/>
+                          <a:latin typeface="Meiryo UI" panose="020B0604030504040204" pitchFamily="34" charset="-128"/>
+                          <a:ea typeface="Meiryo UI" panose="020B0604030504040204" pitchFamily="34" charset="-128"/>
+                        </a:rPr>
+                        <a:t>１００万ドル</a:t>
+                      </a:r>
+                      <a:r>
+                        <a:rPr lang="en-US" altLang="ja-JP" sz="1050" u="none" strike="noStrike">
+                          <a:effectLst/>
+                          <a:latin typeface="Meiryo UI" panose="020B0604030504040204" pitchFamily="34" charset="-128"/>
+                          <a:ea typeface="Meiryo UI" panose="020B0604030504040204" pitchFamily="34" charset="-128"/>
+                        </a:rPr>
+                        <a:t>〜</a:t>
+                      </a:r>
+                      <a:br>
+                        <a:rPr lang="en-US" altLang="ja-JP" sz="1050" u="none" strike="noStrike">
+                          <a:effectLst/>
+                          <a:latin typeface="Meiryo UI" panose="020B0604030504040204" pitchFamily="34" charset="-128"/>
+                          <a:ea typeface="Meiryo UI" panose="020B0604030504040204" pitchFamily="34" charset="-128"/>
+                        </a:rPr>
+                      </a:br>
+                      <a:r>
+                        <a:rPr lang="ja-JP" altLang="en-US" sz="1050" u="none" strike="noStrike">
+                          <a:effectLst/>
+                          <a:latin typeface="Meiryo UI" panose="020B0604030504040204" pitchFamily="34" charset="-128"/>
+                          <a:ea typeface="Meiryo UI" panose="020B0604030504040204" pitchFamily="34" charset="-128"/>
+                        </a:rPr>
+                        <a:t>５００万ドル</a:t>
+                      </a:r>
+                      <a:endParaRPr lang="ja-JP" altLang="en-US" sz="1050" b="0" i="0" u="none" strike="noStrike">
+                        <a:solidFill>
+                          <a:srgbClr val="000000"/>
+                        </a:solidFill>
+                        <a:effectLst/>
+                        <a:latin typeface="Meiryo UI" panose="020B0604030504040204" pitchFamily="34" charset="-128"/>
+                        <a:ea typeface="Meiryo UI" panose="020B0604030504040204" pitchFamily="34" charset="-128"/>
+                      </a:endParaRPr>
+                    </a:p>
+                  </a:txBody>
+                  <a:tcPr marL="8820" marR="8820" marT="8820" marB="0" anchor="ctr"/>
+                </a:tc>
+                <a:tc>
+                  <a:txBody>
+                    <a:bodyPr/>
+                    <a:lstStyle/>
+                    <a:p>
+                      <a:pPr algn="l" fontAlgn="ctr"/>
+                      <a:r>
+                        <a:rPr lang="ja-JP" altLang="en-US" sz="1050" u="none" strike="noStrike">
+                          <a:effectLst/>
+                          <a:latin typeface="Meiryo UI" panose="020B0604030504040204" pitchFamily="34" charset="-128"/>
+                          <a:ea typeface="Meiryo UI" panose="020B0604030504040204" pitchFamily="34" charset="-128"/>
+                        </a:rPr>
+                        <a:t>全体的な機能に著しい影響あり</a:t>
+                      </a:r>
+                      <a:endParaRPr lang="ja-JP" altLang="en-US" sz="1050" b="0" i="0" u="none" strike="noStrike">
+                        <a:solidFill>
+                          <a:srgbClr val="000000"/>
+                        </a:solidFill>
+                        <a:effectLst/>
+                        <a:latin typeface="Meiryo UI" panose="020B0604030504040204" pitchFamily="34" charset="-128"/>
+                        <a:ea typeface="Meiryo UI" panose="020B0604030504040204" pitchFamily="34" charset="-128"/>
+                      </a:endParaRPr>
+                    </a:p>
+                  </a:txBody>
+                  <a:tcPr marL="8820" marR="8820" marT="8820" marB="0" anchor="ctr"/>
+                </a:tc>
+                <a:extLst>
+                  <a:ext uri="{0D108BD9-81ED-4DB2-BD59-A6C34878D82A}">
+                    <a16:rowId xmlns:a16="http://schemas.microsoft.com/office/drawing/2014/main" val="754108815"/>
+                  </a:ext>
+                </a:extLst>
+              </a:tr>
+              <a:tr h="607102">
+                <a:tc>
+                  <a:txBody>
+                    <a:bodyPr/>
+                    <a:lstStyle/>
+                    <a:p>
+                      <a:pPr algn="l" fontAlgn="ctr"/>
+                      <a:r>
+                        <a:rPr lang="ja-JP" altLang="en-US" sz="1050" u="none" strike="noStrike">
+                          <a:effectLst/>
+                          <a:latin typeface="Meiryo UI" panose="020B0604030504040204" pitchFamily="34" charset="-128"/>
+                          <a:ea typeface="Meiryo UI" panose="020B0604030504040204" pitchFamily="34" charset="-128"/>
+                        </a:rPr>
+                        <a:t>１</a:t>
+                      </a:r>
+                      <a:r>
+                        <a:rPr lang="en-US" altLang="ja-JP" sz="1050" u="none" strike="noStrike" dirty="0">
+                          <a:effectLst/>
+                          <a:latin typeface="Meiryo UI" panose="020B0604030504040204" pitchFamily="34" charset="-128"/>
+                          <a:ea typeface="Meiryo UI" panose="020B0604030504040204" pitchFamily="34" charset="-128"/>
+                        </a:rPr>
+                        <a:t>〜</a:t>
+                      </a:r>
+                      <a:r>
+                        <a:rPr lang="ja-JP" altLang="en-US" sz="1050" u="none" strike="noStrike">
+                          <a:effectLst/>
+                          <a:latin typeface="Meiryo UI" panose="020B0604030504040204" pitchFamily="34" charset="-128"/>
+                          <a:ea typeface="Meiryo UI" panose="020B0604030504040204" pitchFamily="34" charset="-128"/>
+                        </a:rPr>
+                        <a:t>３ヶ月</a:t>
+                      </a:r>
+                      <a:endParaRPr lang="ja-JP" altLang="en-US" sz="1050" b="0" i="0" u="none" strike="noStrike">
+                        <a:solidFill>
+                          <a:srgbClr val="000000"/>
+                        </a:solidFill>
+                        <a:effectLst/>
+                        <a:latin typeface="Meiryo UI" panose="020B0604030504040204" pitchFamily="34" charset="-128"/>
+                        <a:ea typeface="Meiryo UI" panose="020B0604030504040204" pitchFamily="34" charset="-128"/>
+                      </a:endParaRPr>
+                    </a:p>
+                  </a:txBody>
+                  <a:tcPr marL="8820" marR="8820" marT="8820" marB="0" anchor="ctr"/>
+                </a:tc>
+                <a:tc>
+                  <a:txBody>
+                    <a:bodyPr/>
+                    <a:lstStyle/>
+                    <a:p>
+                      <a:pPr algn="l" fontAlgn="ctr"/>
+                      <a:r>
+                        <a:rPr lang="ja-JP" altLang="en-US" sz="1050" u="none" strike="noStrike">
+                          <a:effectLst/>
+                          <a:latin typeface="Meiryo UI" panose="020B0604030504040204" pitchFamily="34" charset="-128"/>
+                          <a:ea typeface="Meiryo UI" panose="020B0604030504040204" pitchFamily="34" charset="-128"/>
+                        </a:rPr>
+                        <a:t>５０万ドル</a:t>
+                      </a:r>
+                      <a:r>
+                        <a:rPr lang="en-US" altLang="ja-JP" sz="1050" u="none" strike="noStrike" dirty="0">
+                          <a:effectLst/>
+                          <a:latin typeface="Meiryo UI" panose="020B0604030504040204" pitchFamily="34" charset="-128"/>
+                          <a:ea typeface="Meiryo UI" panose="020B0604030504040204" pitchFamily="34" charset="-128"/>
+                        </a:rPr>
+                        <a:t>〜</a:t>
+                      </a:r>
+                      <a:br>
+                        <a:rPr lang="en-US" altLang="ja-JP" sz="1050" u="none" strike="noStrike" dirty="0">
+                          <a:effectLst/>
+                          <a:latin typeface="Meiryo UI" panose="020B0604030504040204" pitchFamily="34" charset="-128"/>
+                          <a:ea typeface="Meiryo UI" panose="020B0604030504040204" pitchFamily="34" charset="-128"/>
+                        </a:rPr>
+                      </a:br>
+                      <a:r>
+                        <a:rPr lang="ja-JP" altLang="en-US" sz="1050" u="none" strike="noStrike">
+                          <a:effectLst/>
+                          <a:latin typeface="Meiryo UI" panose="020B0604030504040204" pitchFamily="34" charset="-128"/>
+                          <a:ea typeface="Meiryo UI" panose="020B0604030504040204" pitchFamily="34" charset="-128"/>
+                        </a:rPr>
+                        <a:t>１００万ドル</a:t>
+                      </a:r>
+                      <a:endParaRPr lang="ja-JP" altLang="en-US" sz="1050" b="0" i="0" u="none" strike="noStrike">
+                        <a:solidFill>
+                          <a:srgbClr val="000000"/>
+                        </a:solidFill>
+                        <a:effectLst/>
+                        <a:latin typeface="Meiryo UI" panose="020B0604030504040204" pitchFamily="34" charset="-128"/>
+                        <a:ea typeface="Meiryo UI" panose="020B0604030504040204" pitchFamily="34" charset="-128"/>
+                      </a:endParaRPr>
+                    </a:p>
+                  </a:txBody>
+                  <a:tcPr marL="8820" marR="8820" marT="8820" marB="0" anchor="ctr"/>
+                </a:tc>
+                <a:tc>
+                  <a:txBody>
+                    <a:bodyPr/>
+                    <a:lstStyle/>
+                    <a:p>
+                      <a:pPr algn="l" fontAlgn="ctr"/>
+                      <a:r>
+                        <a:rPr lang="ja-JP" altLang="en-US" sz="1050" u="none" strike="noStrike">
+                          <a:effectLst/>
+                          <a:latin typeface="Meiryo UI" panose="020B0604030504040204" pitchFamily="34" charset="-128"/>
+                          <a:ea typeface="Meiryo UI" panose="020B0604030504040204" pitchFamily="34" charset="-128"/>
+                        </a:rPr>
+                        <a:t>主要機能にある程度の影響あり</a:t>
+                      </a:r>
+                      <a:endParaRPr lang="ja-JP" altLang="en-US" sz="1050" b="0" i="0" u="none" strike="noStrike">
+                        <a:solidFill>
+                          <a:srgbClr val="000000"/>
+                        </a:solidFill>
+                        <a:effectLst/>
+                        <a:latin typeface="Meiryo UI" panose="020B0604030504040204" pitchFamily="34" charset="-128"/>
+                        <a:ea typeface="Meiryo UI" panose="020B0604030504040204" pitchFamily="34" charset="-128"/>
+                      </a:endParaRPr>
+                    </a:p>
+                  </a:txBody>
+                  <a:tcPr marL="8820" marR="8820" marT="8820" marB="0" anchor="ctr"/>
+                </a:tc>
+                <a:extLst>
+                  <a:ext uri="{0D108BD9-81ED-4DB2-BD59-A6C34878D82A}">
+                    <a16:rowId xmlns:a16="http://schemas.microsoft.com/office/drawing/2014/main" val="853341827"/>
+                  </a:ext>
+                </a:extLst>
+              </a:tr>
+              <a:tr h="607102">
+                <a:tc>
+                  <a:txBody>
+                    <a:bodyPr/>
+                    <a:lstStyle/>
+                    <a:p>
+                      <a:pPr algn="l" fontAlgn="ctr"/>
+                      <a:r>
+                        <a:rPr lang="ja-JP" altLang="en-US" sz="1050" u="none" strike="noStrike">
+                          <a:effectLst/>
+                          <a:latin typeface="Meiryo UI" panose="020B0604030504040204" pitchFamily="34" charset="-128"/>
+                          <a:ea typeface="Meiryo UI" panose="020B0604030504040204" pitchFamily="34" charset="-128"/>
+                        </a:rPr>
+                        <a:t>１</a:t>
+                      </a:r>
+                      <a:r>
+                        <a:rPr lang="en-US" altLang="ja-JP" sz="1050" u="none" strike="noStrike">
+                          <a:effectLst/>
+                          <a:latin typeface="Meiryo UI" panose="020B0604030504040204" pitchFamily="34" charset="-128"/>
+                          <a:ea typeface="Meiryo UI" panose="020B0604030504040204" pitchFamily="34" charset="-128"/>
+                        </a:rPr>
+                        <a:t>〜</a:t>
+                      </a:r>
+                      <a:r>
+                        <a:rPr lang="ja-JP" altLang="en-US" sz="1050" u="none" strike="noStrike">
+                          <a:effectLst/>
+                          <a:latin typeface="Meiryo UI" panose="020B0604030504040204" pitchFamily="34" charset="-128"/>
+                          <a:ea typeface="Meiryo UI" panose="020B0604030504040204" pitchFamily="34" charset="-128"/>
+                        </a:rPr>
+                        <a:t>４週間</a:t>
+                      </a:r>
+                      <a:endParaRPr lang="ja-JP" altLang="en-US" sz="1050" b="0" i="0" u="none" strike="noStrike">
+                        <a:solidFill>
+                          <a:srgbClr val="000000"/>
+                        </a:solidFill>
+                        <a:effectLst/>
+                        <a:latin typeface="Meiryo UI" panose="020B0604030504040204" pitchFamily="34" charset="-128"/>
+                        <a:ea typeface="Meiryo UI" panose="020B0604030504040204" pitchFamily="34" charset="-128"/>
+                      </a:endParaRPr>
+                    </a:p>
+                  </a:txBody>
+                  <a:tcPr marL="8820" marR="8820" marT="8820" marB="0" anchor="ctr"/>
+                </a:tc>
+                <a:tc>
+                  <a:txBody>
+                    <a:bodyPr/>
+                    <a:lstStyle/>
+                    <a:p>
+                      <a:pPr algn="l" fontAlgn="ctr"/>
+                      <a:r>
+                        <a:rPr lang="ja-JP" altLang="en-US" sz="1050" u="none" strike="noStrike">
+                          <a:effectLst/>
+                          <a:latin typeface="Meiryo UI" panose="020B0604030504040204" pitchFamily="34" charset="-128"/>
+                          <a:ea typeface="Meiryo UI" panose="020B0604030504040204" pitchFamily="34" charset="-128"/>
+                        </a:rPr>
+                        <a:t>１０万ドル</a:t>
+                      </a:r>
+                      <a:r>
+                        <a:rPr lang="en-US" altLang="ja-JP" sz="1050" u="none" strike="noStrike">
+                          <a:effectLst/>
+                          <a:latin typeface="Meiryo UI" panose="020B0604030504040204" pitchFamily="34" charset="-128"/>
+                          <a:ea typeface="Meiryo UI" panose="020B0604030504040204" pitchFamily="34" charset="-128"/>
+                        </a:rPr>
+                        <a:t>〜</a:t>
+                      </a:r>
+                      <a:br>
+                        <a:rPr lang="en-US" altLang="ja-JP" sz="1050" u="none" strike="noStrike">
+                          <a:effectLst/>
+                          <a:latin typeface="Meiryo UI" panose="020B0604030504040204" pitchFamily="34" charset="-128"/>
+                          <a:ea typeface="Meiryo UI" panose="020B0604030504040204" pitchFamily="34" charset="-128"/>
+                        </a:rPr>
+                      </a:br>
+                      <a:r>
+                        <a:rPr lang="ja-JP" altLang="en-US" sz="1050" u="none" strike="noStrike">
+                          <a:effectLst/>
+                          <a:latin typeface="Meiryo UI" panose="020B0604030504040204" pitchFamily="34" charset="-128"/>
+                          <a:ea typeface="Meiryo UI" panose="020B0604030504040204" pitchFamily="34" charset="-128"/>
+                        </a:rPr>
+                        <a:t>５０万ドル</a:t>
+                      </a:r>
+                      <a:endParaRPr lang="ja-JP" altLang="en-US" sz="1050" b="0" i="0" u="none" strike="noStrike">
+                        <a:solidFill>
+                          <a:srgbClr val="000000"/>
+                        </a:solidFill>
+                        <a:effectLst/>
+                        <a:latin typeface="Meiryo UI" panose="020B0604030504040204" pitchFamily="34" charset="-128"/>
+                        <a:ea typeface="Meiryo UI" panose="020B0604030504040204" pitchFamily="34" charset="-128"/>
+                      </a:endParaRPr>
+                    </a:p>
+                  </a:txBody>
+                  <a:tcPr marL="8820" marR="8820" marT="8820" marB="0" anchor="ctr"/>
+                </a:tc>
+                <a:tc>
+                  <a:txBody>
+                    <a:bodyPr/>
+                    <a:lstStyle/>
+                    <a:p>
+                      <a:pPr algn="l" fontAlgn="ctr"/>
+                      <a:r>
+                        <a:rPr lang="ja-JP" altLang="en-US" sz="1050" u="none" strike="noStrike">
+                          <a:effectLst/>
+                          <a:latin typeface="Meiryo UI" panose="020B0604030504040204" pitchFamily="34" charset="-128"/>
+                          <a:ea typeface="Meiryo UI" panose="020B0604030504040204" pitchFamily="34" charset="-128"/>
+                        </a:rPr>
+                        <a:t>全体的な機能にささいな影響あり</a:t>
+                      </a:r>
+                      <a:endParaRPr lang="ja-JP" altLang="en-US" sz="1050" b="0" i="0" u="none" strike="noStrike">
+                        <a:solidFill>
+                          <a:srgbClr val="000000"/>
+                        </a:solidFill>
+                        <a:effectLst/>
+                        <a:latin typeface="Meiryo UI" panose="020B0604030504040204" pitchFamily="34" charset="-128"/>
+                        <a:ea typeface="Meiryo UI" panose="020B0604030504040204" pitchFamily="34" charset="-128"/>
+                      </a:endParaRPr>
+                    </a:p>
+                  </a:txBody>
+                  <a:tcPr marL="8820" marR="8820" marT="8820" marB="0" anchor="ctr"/>
+                </a:tc>
+                <a:extLst>
+                  <a:ext uri="{0D108BD9-81ED-4DB2-BD59-A6C34878D82A}">
+                    <a16:rowId xmlns:a16="http://schemas.microsoft.com/office/drawing/2014/main" val="1660758777"/>
+                  </a:ext>
+                </a:extLst>
+              </a:tr>
+              <a:tr h="607102">
+                <a:tc>
+                  <a:txBody>
+                    <a:bodyPr/>
+                    <a:lstStyle/>
+                    <a:p>
+                      <a:pPr algn="l" fontAlgn="ctr"/>
+                      <a:r>
+                        <a:rPr lang="ja-JP" altLang="en-US" sz="1050" u="none" strike="noStrike">
+                          <a:effectLst/>
+                          <a:latin typeface="Meiryo UI" panose="020B0604030504040204" pitchFamily="34" charset="-128"/>
+                          <a:ea typeface="Meiryo UI" panose="020B0604030504040204" pitchFamily="34" charset="-128"/>
+                        </a:rPr>
+                        <a:t>１週間</a:t>
+                      </a:r>
+                      <a:endParaRPr lang="ja-JP" altLang="en-US" sz="1050" b="0" i="0" u="none" strike="noStrike">
+                        <a:solidFill>
+                          <a:srgbClr val="000000"/>
+                        </a:solidFill>
+                        <a:effectLst/>
+                        <a:latin typeface="Meiryo UI" panose="020B0604030504040204" pitchFamily="34" charset="-128"/>
+                        <a:ea typeface="Meiryo UI" panose="020B0604030504040204" pitchFamily="34" charset="-128"/>
+                      </a:endParaRPr>
+                    </a:p>
+                  </a:txBody>
+                  <a:tcPr marL="8820" marR="8820" marT="8820" marB="0" anchor="ctr"/>
+                </a:tc>
+                <a:tc>
+                  <a:txBody>
+                    <a:bodyPr/>
+                    <a:lstStyle/>
+                    <a:p>
+                      <a:pPr algn="l" fontAlgn="ctr"/>
+                      <a:r>
+                        <a:rPr lang="ja-JP" altLang="en-US" sz="1050" u="none" strike="noStrike">
+                          <a:effectLst/>
+                          <a:latin typeface="Meiryo UI" panose="020B0604030504040204" pitchFamily="34" charset="-128"/>
+                          <a:ea typeface="Meiryo UI" panose="020B0604030504040204" pitchFamily="34" charset="-128"/>
+                        </a:rPr>
+                        <a:t>＜１０万ドル</a:t>
+                      </a:r>
+                      <a:endParaRPr lang="ja-JP" altLang="en-US" sz="1050" b="0" i="0" u="none" strike="noStrike">
+                        <a:solidFill>
+                          <a:srgbClr val="000000"/>
+                        </a:solidFill>
+                        <a:effectLst/>
+                        <a:latin typeface="Meiryo UI" panose="020B0604030504040204" pitchFamily="34" charset="-128"/>
+                        <a:ea typeface="Meiryo UI" panose="020B0604030504040204" pitchFamily="34" charset="-128"/>
+                      </a:endParaRPr>
+                    </a:p>
+                  </a:txBody>
+                  <a:tcPr marL="8820" marR="8820" marT="8820" marB="0" anchor="ctr"/>
+                </a:tc>
+                <a:tc>
+                  <a:txBody>
+                    <a:bodyPr/>
+                    <a:lstStyle/>
+                    <a:p>
+                      <a:pPr algn="l" fontAlgn="ctr"/>
+                      <a:r>
+                        <a:rPr lang="ja-JP" altLang="en-US" sz="1050" u="none" strike="noStrike">
+                          <a:effectLst/>
+                          <a:latin typeface="Meiryo UI" panose="020B0604030504040204" pitchFamily="34" charset="-128"/>
+                          <a:ea typeface="Meiryo UI" panose="020B0604030504040204" pitchFamily="34" charset="-128"/>
+                        </a:rPr>
+                        <a:t>二次機能にささいな影響あり</a:t>
+                      </a:r>
+                      <a:endParaRPr lang="ja-JP" altLang="en-US" sz="1050" b="0" i="0" u="none" strike="noStrike">
+                        <a:solidFill>
+                          <a:srgbClr val="000000"/>
+                        </a:solidFill>
+                        <a:effectLst/>
+                        <a:latin typeface="Meiryo UI" panose="020B0604030504040204" pitchFamily="34" charset="-128"/>
+                        <a:ea typeface="Meiryo UI" panose="020B0604030504040204" pitchFamily="34" charset="-128"/>
+                      </a:endParaRPr>
+                    </a:p>
+                  </a:txBody>
+                  <a:tcPr marL="8820" marR="8820" marT="8820" marB="0" anchor="ctr"/>
+                </a:tc>
+                <a:extLst>
+                  <a:ext uri="{0D108BD9-81ED-4DB2-BD59-A6C34878D82A}">
+                    <a16:rowId xmlns:a16="http://schemas.microsoft.com/office/drawing/2014/main" val="1614608356"/>
+                  </a:ext>
+                </a:extLst>
+              </a:tr>
+              <a:tr h="607102">
+                <a:tc>
+                  <a:txBody>
+                    <a:bodyPr/>
+                    <a:lstStyle/>
+                    <a:p>
+                      <a:pPr algn="l" fontAlgn="ctr"/>
+                      <a:r>
+                        <a:rPr lang="ja-JP" altLang="en-US" sz="1050" u="none" strike="noStrike">
+                          <a:effectLst/>
+                          <a:latin typeface="Meiryo UI" panose="020B0604030504040204" pitchFamily="34" charset="-128"/>
+                          <a:ea typeface="Meiryo UI" panose="020B0604030504040204" pitchFamily="34" charset="-128"/>
+                        </a:rPr>
+                        <a:t>変更なし</a:t>
+                      </a:r>
+                      <a:endParaRPr lang="ja-JP" altLang="en-US" sz="1050" b="0" i="0" u="none" strike="noStrike">
+                        <a:solidFill>
+                          <a:srgbClr val="000000"/>
+                        </a:solidFill>
+                        <a:effectLst/>
+                        <a:latin typeface="Meiryo UI" panose="020B0604030504040204" pitchFamily="34" charset="-128"/>
+                        <a:ea typeface="Meiryo UI" panose="020B0604030504040204" pitchFamily="34" charset="-128"/>
+                      </a:endParaRPr>
+                    </a:p>
+                  </a:txBody>
+                  <a:tcPr marL="8820" marR="8820" marT="8820" marB="0" anchor="ctr"/>
+                </a:tc>
+                <a:tc>
+                  <a:txBody>
+                    <a:bodyPr/>
+                    <a:lstStyle/>
+                    <a:p>
+                      <a:pPr algn="l" fontAlgn="ctr"/>
+                      <a:r>
+                        <a:rPr lang="ja-JP" altLang="en-US" sz="1050" u="none" strike="noStrike">
+                          <a:effectLst/>
+                          <a:latin typeface="Meiryo UI" panose="020B0604030504040204" pitchFamily="34" charset="-128"/>
+                          <a:ea typeface="Meiryo UI" panose="020B0604030504040204" pitchFamily="34" charset="-128"/>
+                        </a:rPr>
+                        <a:t>変更なし</a:t>
+                      </a:r>
+                      <a:endParaRPr lang="ja-JP" altLang="en-US" sz="1050" b="0" i="0" u="none" strike="noStrike">
+                        <a:solidFill>
+                          <a:srgbClr val="000000"/>
+                        </a:solidFill>
+                        <a:effectLst/>
+                        <a:latin typeface="Meiryo UI" panose="020B0604030504040204" pitchFamily="34" charset="-128"/>
+                        <a:ea typeface="Meiryo UI" panose="020B0604030504040204" pitchFamily="34" charset="-128"/>
+                      </a:endParaRPr>
+                    </a:p>
+                  </a:txBody>
+                  <a:tcPr marL="8820" marR="8820" marT="8820" marB="0" anchor="ctr"/>
+                </a:tc>
+                <a:tc>
+                  <a:txBody>
+                    <a:bodyPr/>
+                    <a:lstStyle/>
+                    <a:p>
+                      <a:pPr algn="l" fontAlgn="ctr"/>
+                      <a:r>
+                        <a:rPr lang="ja-JP" altLang="en-US" sz="1050" u="none" strike="noStrike">
+                          <a:effectLst/>
+                          <a:latin typeface="Meiryo UI" panose="020B0604030504040204" pitchFamily="34" charset="-128"/>
+                          <a:ea typeface="Meiryo UI" panose="020B0604030504040204" pitchFamily="34" charset="-128"/>
+                        </a:rPr>
+                        <a:t>影響に変化なし</a:t>
+                      </a:r>
+                      <a:endParaRPr lang="ja-JP" altLang="en-US" sz="1050" b="0" i="0" u="none" strike="noStrike">
+                        <a:solidFill>
+                          <a:srgbClr val="000000"/>
+                        </a:solidFill>
+                        <a:effectLst/>
+                        <a:latin typeface="Meiryo UI" panose="020B0604030504040204" pitchFamily="34" charset="-128"/>
+                        <a:ea typeface="Meiryo UI" panose="020B0604030504040204" pitchFamily="34" charset="-128"/>
+                      </a:endParaRPr>
+                    </a:p>
+                  </a:txBody>
+                  <a:tcPr marL="8820" marR="8820" marT="8820" marB="0" anchor="ctr"/>
+                </a:tc>
+                <a:extLst>
+                  <a:ext uri="{0D108BD9-81ED-4DB2-BD59-A6C34878D82A}">
+                    <a16:rowId xmlns:a16="http://schemas.microsoft.com/office/drawing/2014/main" val="2479701237"/>
+                  </a:ext>
+                </a:extLst>
+              </a:tr>
+            </a:tbl>
+          </a:graphicData>
+        </a:graphic>
+      </p:graphicFrame>
+      <p:graphicFrame>
+        <p:nvGraphicFramePr>
+          <p:cNvPr id="8" name="表 7">
+            <a:extLst>
+              <a:ext uri="{FF2B5EF4-FFF2-40B4-BE49-F238E27FC236}">
+                <a16:creationId xmlns:a16="http://schemas.microsoft.com/office/drawing/2014/main" id="{3A3A4953-862A-12EB-997B-8512D47DEFFB}"/>
+              </a:ext>
+            </a:extLst>
+          </p:cNvPr>
+          <p:cNvGraphicFramePr>
+            <a:graphicFrameLocks noGrp="1"/>
+          </p:cNvGraphicFramePr>
+          <p:nvPr>
+            <p:extLst>
+              <p:ext uri="{D42A27DB-BD31-4B8C-83A1-F6EECF244321}">
+                <p14:modId xmlns:p14="http://schemas.microsoft.com/office/powerpoint/2010/main" val="2354259634"/>
+              </p:ext>
+            </p:extLst>
+          </p:nvPr>
+        </p:nvGraphicFramePr>
+        <p:xfrm>
+          <a:off x="8424953" y="2449251"/>
+          <a:ext cx="939003" cy="4084140"/>
+        </p:xfrm>
+        <a:graphic>
+          <a:graphicData uri="http://schemas.openxmlformats.org/drawingml/2006/table">
+            <a:tbl>
+              <a:tblPr>
+                <a:tableStyleId>{5C22544A-7EE6-4342-B048-85BDC9FD1C3A}</a:tableStyleId>
+              </a:tblPr>
+              <a:tblGrid>
+                <a:gridCol w="939003">
+                  <a:extLst>
+                    <a:ext uri="{9D8B030D-6E8A-4147-A177-3AD203B41FA5}">
+                      <a16:colId xmlns:a16="http://schemas.microsoft.com/office/drawing/2014/main" val="2880903792"/>
+                    </a:ext>
+                  </a:extLst>
+                </a:gridCol>
+              </a:tblGrid>
+              <a:tr h="439076">
+                <a:tc>
+                  <a:txBody>
+                    <a:bodyPr/>
+                    <a:lstStyle/>
+                    <a:p>
+                      <a:pPr algn="ctr" fontAlgn="ctr"/>
+                      <a:r>
+                        <a:rPr lang="ja-JP" altLang="en-US" sz="1200" u="none" strike="noStrike">
+                          <a:solidFill>
+                            <a:schemeClr val="bg1"/>
+                          </a:solidFill>
+                          <a:effectLst/>
+                          <a:latin typeface="Meiryo UI" panose="020B0604030504040204" pitchFamily="34" charset="-128"/>
+                          <a:ea typeface="Meiryo UI" panose="020B0604030504040204" pitchFamily="34" charset="-128"/>
+                        </a:rPr>
+                        <a:t>スケール</a:t>
+                      </a:r>
+                      <a:endParaRPr lang="ja-JP" altLang="en-US" sz="1200" b="0" i="0" u="none" strike="noStrike">
+                        <a:solidFill>
+                          <a:schemeClr val="bg1"/>
+                        </a:solidFill>
+                        <a:effectLst/>
+                        <a:latin typeface="Meiryo UI" panose="020B0604030504040204" pitchFamily="34" charset="-128"/>
+                        <a:ea typeface="Meiryo UI" panose="020B0604030504040204" pitchFamily="34" charset="-128"/>
+                      </a:endParaRPr>
+                    </a:p>
+                  </a:txBody>
+                  <a:tcPr marL="9390" marR="9390" marT="9390" marB="0" anchor="ctr">
+                    <a:solidFill>
+                      <a:schemeClr val="accent2"/>
+                    </a:solidFill>
+                  </a:tcPr>
+                </a:tc>
+                <a:extLst>
+                  <a:ext uri="{0D108BD9-81ED-4DB2-BD59-A6C34878D82A}">
+                    <a16:rowId xmlns:a16="http://schemas.microsoft.com/office/drawing/2014/main" val="1700600516"/>
+                  </a:ext>
+                </a:extLst>
+              </a:tr>
+              <a:tr h="612615">
+                <a:tc>
+                  <a:txBody>
+                    <a:bodyPr/>
+                    <a:lstStyle/>
+                    <a:p>
+                      <a:pPr algn="l" fontAlgn="ctr"/>
+                      <a:r>
+                        <a:rPr lang="ja-JP" altLang="en-US" sz="1100" u="none" strike="noStrike">
+                          <a:effectLst/>
+                          <a:latin typeface="Meiryo UI" panose="020B0604030504040204" pitchFamily="34" charset="-128"/>
+                          <a:ea typeface="Meiryo UI" panose="020B0604030504040204" pitchFamily="34" charset="-128"/>
+                        </a:rPr>
+                        <a:t>極めて高い</a:t>
+                      </a:r>
+                      <a:endParaRPr lang="ja-JP" altLang="en-US" sz="1100" b="0" i="0" u="none" strike="noStrike">
+                        <a:solidFill>
+                          <a:srgbClr val="000000"/>
+                        </a:solidFill>
+                        <a:effectLst/>
+                        <a:latin typeface="Meiryo UI" panose="020B0604030504040204" pitchFamily="34" charset="-128"/>
+                        <a:ea typeface="Meiryo UI" panose="020B0604030504040204" pitchFamily="34" charset="-128"/>
+                      </a:endParaRPr>
+                    </a:p>
+                  </a:txBody>
+                  <a:tcPr marL="9390" marR="9390" marT="9390" marB="0" anchor="ctr"/>
+                </a:tc>
+                <a:extLst>
+                  <a:ext uri="{0D108BD9-81ED-4DB2-BD59-A6C34878D82A}">
+                    <a16:rowId xmlns:a16="http://schemas.microsoft.com/office/drawing/2014/main" val="3632940215"/>
+                  </a:ext>
+                </a:extLst>
+              </a:tr>
+              <a:tr h="602406">
+                <a:tc>
+                  <a:txBody>
+                    <a:bodyPr/>
+                    <a:lstStyle/>
+                    <a:p>
+                      <a:pPr algn="l" fontAlgn="ctr"/>
+                      <a:r>
+                        <a:rPr lang="ja-JP" altLang="en-US" sz="1100" u="none" strike="noStrike">
+                          <a:effectLst/>
+                          <a:latin typeface="Meiryo UI" panose="020B0604030504040204" pitchFamily="34" charset="-128"/>
+                          <a:ea typeface="Meiryo UI" panose="020B0604030504040204" pitchFamily="34" charset="-128"/>
+                        </a:rPr>
+                        <a:t>高い</a:t>
+                      </a:r>
+                      <a:endParaRPr lang="ja-JP" altLang="en-US" sz="1100" b="0" i="0" u="none" strike="noStrike">
+                        <a:solidFill>
+                          <a:srgbClr val="000000"/>
+                        </a:solidFill>
+                        <a:effectLst/>
+                        <a:latin typeface="Meiryo UI" panose="020B0604030504040204" pitchFamily="34" charset="-128"/>
+                        <a:ea typeface="Meiryo UI" panose="020B0604030504040204" pitchFamily="34" charset="-128"/>
+                      </a:endParaRPr>
+                    </a:p>
+                  </a:txBody>
+                  <a:tcPr marL="9390" marR="9390" marT="9390" marB="0" anchor="ctr"/>
+                </a:tc>
+                <a:extLst>
+                  <a:ext uri="{0D108BD9-81ED-4DB2-BD59-A6C34878D82A}">
+                    <a16:rowId xmlns:a16="http://schemas.microsoft.com/office/drawing/2014/main" val="1483510370"/>
+                  </a:ext>
+                </a:extLst>
+              </a:tr>
+              <a:tr h="612615">
+                <a:tc>
+                  <a:txBody>
+                    <a:bodyPr/>
+                    <a:lstStyle/>
+                    <a:p>
+                      <a:pPr algn="l" fontAlgn="ctr"/>
+                      <a:r>
+                        <a:rPr lang="ja-JP" altLang="en-US" sz="1100" u="none" strike="noStrike">
+                          <a:effectLst/>
+                          <a:latin typeface="Meiryo UI" panose="020B0604030504040204" pitchFamily="34" charset="-128"/>
+                          <a:ea typeface="Meiryo UI" panose="020B0604030504040204" pitchFamily="34" charset="-128"/>
+                        </a:rPr>
+                        <a:t>中程度</a:t>
+                      </a:r>
+                      <a:endParaRPr lang="ja-JP" altLang="en-US" sz="1100" b="0" i="0" u="none" strike="noStrike">
+                        <a:solidFill>
+                          <a:srgbClr val="000000"/>
+                        </a:solidFill>
+                        <a:effectLst/>
+                        <a:latin typeface="Meiryo UI" panose="020B0604030504040204" pitchFamily="34" charset="-128"/>
+                        <a:ea typeface="Meiryo UI" panose="020B0604030504040204" pitchFamily="34" charset="-128"/>
+                      </a:endParaRPr>
+                    </a:p>
+                  </a:txBody>
+                  <a:tcPr marL="9390" marR="9390" marT="9390" marB="0" anchor="ctr"/>
+                </a:tc>
+                <a:extLst>
+                  <a:ext uri="{0D108BD9-81ED-4DB2-BD59-A6C34878D82A}">
+                    <a16:rowId xmlns:a16="http://schemas.microsoft.com/office/drawing/2014/main" val="2876490136"/>
+                  </a:ext>
+                </a:extLst>
+              </a:tr>
+              <a:tr h="592196">
+                <a:tc>
+                  <a:txBody>
+                    <a:bodyPr/>
+                    <a:lstStyle/>
+                    <a:p>
+                      <a:pPr algn="l" fontAlgn="ctr"/>
+                      <a:r>
+                        <a:rPr lang="ja-JP" altLang="en-US" sz="1100" u="none" strike="noStrike">
+                          <a:effectLst/>
+                          <a:latin typeface="Meiryo UI" panose="020B0604030504040204" pitchFamily="34" charset="-128"/>
+                          <a:ea typeface="Meiryo UI" panose="020B0604030504040204" pitchFamily="34" charset="-128"/>
+                        </a:rPr>
+                        <a:t>低い</a:t>
+                      </a:r>
+                      <a:endParaRPr lang="ja-JP" altLang="en-US" sz="1100" b="0" i="0" u="none" strike="noStrike">
+                        <a:solidFill>
+                          <a:srgbClr val="000000"/>
+                        </a:solidFill>
+                        <a:effectLst/>
+                        <a:latin typeface="Meiryo UI" panose="020B0604030504040204" pitchFamily="34" charset="-128"/>
+                        <a:ea typeface="Meiryo UI" panose="020B0604030504040204" pitchFamily="34" charset="-128"/>
+                      </a:endParaRPr>
+                    </a:p>
+                  </a:txBody>
+                  <a:tcPr marL="9390" marR="9390" marT="9390" marB="0" anchor="ctr"/>
+                </a:tc>
+                <a:extLst>
+                  <a:ext uri="{0D108BD9-81ED-4DB2-BD59-A6C34878D82A}">
+                    <a16:rowId xmlns:a16="http://schemas.microsoft.com/office/drawing/2014/main" val="4107414743"/>
+                  </a:ext>
+                </a:extLst>
+              </a:tr>
+              <a:tr h="612616">
+                <a:tc>
+                  <a:txBody>
+                    <a:bodyPr/>
+                    <a:lstStyle/>
+                    <a:p>
+                      <a:pPr algn="l" fontAlgn="ctr"/>
+                      <a:r>
+                        <a:rPr lang="ja-JP" altLang="en-US" sz="1100" u="none" strike="noStrike">
+                          <a:effectLst/>
+                          <a:latin typeface="Meiryo UI" panose="020B0604030504040204" pitchFamily="34" charset="-128"/>
+                          <a:ea typeface="Meiryo UI" panose="020B0604030504040204" pitchFamily="34" charset="-128"/>
+                        </a:rPr>
+                        <a:t>極めて低い</a:t>
+                      </a:r>
+                      <a:endParaRPr lang="ja-JP" altLang="en-US" sz="1100" b="0" i="0" u="none" strike="noStrike">
+                        <a:solidFill>
+                          <a:srgbClr val="000000"/>
+                        </a:solidFill>
+                        <a:effectLst/>
+                        <a:latin typeface="Meiryo UI" panose="020B0604030504040204" pitchFamily="34" charset="-128"/>
+                        <a:ea typeface="Meiryo UI" panose="020B0604030504040204" pitchFamily="34" charset="-128"/>
+                      </a:endParaRPr>
+                    </a:p>
+                  </a:txBody>
+                  <a:tcPr marL="9390" marR="9390" marT="9390" marB="0" anchor="ctr"/>
+                </a:tc>
+                <a:extLst>
+                  <a:ext uri="{0D108BD9-81ED-4DB2-BD59-A6C34878D82A}">
+                    <a16:rowId xmlns:a16="http://schemas.microsoft.com/office/drawing/2014/main" val="792145854"/>
+                  </a:ext>
+                </a:extLst>
+              </a:tr>
+              <a:tr h="612616">
+                <a:tc>
+                  <a:txBody>
+                    <a:bodyPr/>
+                    <a:lstStyle/>
+                    <a:p>
+                      <a:pPr algn="l" fontAlgn="ctr"/>
+                      <a:r>
+                        <a:rPr lang="ja-JP" altLang="en-US" sz="1100" u="none" strike="noStrike">
+                          <a:effectLst/>
+                          <a:latin typeface="Meiryo UI" panose="020B0604030504040204" pitchFamily="34" charset="-128"/>
+                          <a:ea typeface="Meiryo UI" panose="020B0604030504040204" pitchFamily="34" charset="-128"/>
+                        </a:rPr>
+                        <a:t>ゼロ</a:t>
+                      </a:r>
+                      <a:endParaRPr lang="ja-JP" altLang="en-US" sz="1100" b="0" i="0" u="none" strike="noStrike">
+                        <a:solidFill>
+                          <a:srgbClr val="000000"/>
+                        </a:solidFill>
+                        <a:effectLst/>
+                        <a:latin typeface="Meiryo UI" panose="020B0604030504040204" pitchFamily="34" charset="-128"/>
+                        <a:ea typeface="Meiryo UI" panose="020B0604030504040204" pitchFamily="34" charset="-128"/>
+                      </a:endParaRPr>
+                    </a:p>
+                  </a:txBody>
+                  <a:tcPr marL="9390" marR="9390" marT="9390" marB="0" anchor="ctr"/>
+                </a:tc>
+                <a:extLst>
+                  <a:ext uri="{0D108BD9-81ED-4DB2-BD59-A6C34878D82A}">
+                    <a16:rowId xmlns:a16="http://schemas.microsoft.com/office/drawing/2014/main" val="2387490410"/>
+                  </a:ext>
+                </a:extLst>
+              </a:tr>
+            </a:tbl>
+          </a:graphicData>
+        </a:graphic>
+      </p:graphicFrame>
+      <p:sp>
+        <p:nvSpPr>
+          <p:cNvPr id="9" name="乗算記号 8">
+            <a:extLst>
+              <a:ext uri="{FF2B5EF4-FFF2-40B4-BE49-F238E27FC236}">
+                <a16:creationId xmlns:a16="http://schemas.microsoft.com/office/drawing/2014/main" id="{D7567514-56AA-CCDF-5739-B1A4CF9867E7}"/>
+              </a:ext>
+            </a:extLst>
+          </p:cNvPr>
+          <p:cNvSpPr/>
+          <p:nvPr/>
+        </p:nvSpPr>
+        <p:spPr>
+          <a:xfrm>
+            <a:off x="2338618" y="4164750"/>
+            <a:ext cx="674914" cy="674914"/>
+          </a:xfrm>
+          <a:prstGeom prst="mathMultiply">
+            <a:avLst/>
+          </a:prstGeom>
+        </p:spPr>
+        <p:style>
+          <a:lnRef idx="2">
+            <a:schemeClr val="dk1">
+              <a:shade val="15000"/>
+            </a:schemeClr>
+          </a:lnRef>
+          <a:fillRef idx="1">
+            <a:schemeClr val="dk1"/>
+          </a:fillRef>
+          <a:effectRef idx="0">
+            <a:schemeClr val="dk1"/>
+          </a:effectRef>
+          <a:fontRef idx="minor">
+            <a:schemeClr val="lt1"/>
+          </a:fontRef>
+        </p:style>
+        <p:txBody>
+          <a:bodyPr rtlCol="0" anchor="ctr"/>
+          <a:lstStyle/>
+          <a:p>
+            <a:pPr algn="ctr"/>
+            <a:endParaRPr kumimoji="1" lang="ja-JP" altLang="en-US"/>
+          </a:p>
+        </p:txBody>
+      </p:sp>
+      <p:sp>
+        <p:nvSpPr>
+          <p:cNvPr id="10" name="等号 9">
+            <a:extLst>
+              <a:ext uri="{FF2B5EF4-FFF2-40B4-BE49-F238E27FC236}">
+                <a16:creationId xmlns:a16="http://schemas.microsoft.com/office/drawing/2014/main" id="{F9276FEE-7E5A-D67C-4979-F7C2DA302DE8}"/>
+              </a:ext>
+            </a:extLst>
+          </p:cNvPr>
+          <p:cNvSpPr/>
+          <p:nvPr/>
+        </p:nvSpPr>
+        <p:spPr>
+          <a:xfrm>
+            <a:off x="7642785" y="4164750"/>
+            <a:ext cx="674914" cy="674914"/>
+          </a:xfrm>
+          <a:prstGeom prst="mathEqual">
+            <a:avLst/>
+          </a:prstGeom>
+        </p:spPr>
+        <p:style>
+          <a:lnRef idx="2">
+            <a:schemeClr val="dk1">
+              <a:shade val="15000"/>
+            </a:schemeClr>
+          </a:lnRef>
+          <a:fillRef idx="1">
+            <a:schemeClr val="dk1"/>
+          </a:fillRef>
+          <a:effectRef idx="0">
+            <a:schemeClr val="dk1"/>
+          </a:effectRef>
+          <a:fontRef idx="minor">
+            <a:schemeClr val="lt1"/>
+          </a:fontRef>
+        </p:style>
+        <p:txBody>
+          <a:bodyPr rtlCol="0" anchor="ctr"/>
+          <a:lstStyle/>
+          <a:p>
+            <a:pPr algn="ctr"/>
+            <a:endParaRPr kumimoji="1" lang="ja-JP" altLang="en-US">
+              <a:solidFill>
+                <a:schemeClr val="tx1"/>
+              </a:solidFill>
+            </a:endParaRPr>
+          </a:p>
+        </p:txBody>
+      </p:sp>
+    </p:spTree>
+    <p:extLst>
+      <p:ext uri="{BB962C8B-B14F-4D97-AF65-F5344CB8AC3E}">
+        <p14:creationId xmlns:p14="http://schemas.microsoft.com/office/powerpoint/2010/main" val="4229843313"/>
       </p:ext>
     </p:extLst>
   </p:cSld>
